--- a/ppt/6.pptx
+++ b/ppt/6.pptx
@@ -217,7 +217,7 @@
           <a:p>
             <a:fld id="{47749E12-936C-4168-A750-6B81F73359E3}" type="datetimeFigureOut">
               <a:rPr lang="zh-CN" altLang="en-US" smtClean="0"/>
-              <a:t>2023-04-27</a:t>
+              <a:t>2023-04-28</a:t>
             </a:fld>
             <a:endParaRPr lang="zh-CN" altLang="en-US"/>
           </a:p>
@@ -672,7 +672,7 @@
           <a:p>
             <a:fld id="{C6E5CE6B-FF6A-471E-9C4A-73362186D6C7}" type="datetimeFigureOut">
               <a:rPr lang="zh-CN" altLang="en-US" smtClean="0"/>
-              <a:t>2023-04-27</a:t>
+              <a:t>2023-04-28</a:t>
             </a:fld>
             <a:endParaRPr lang="zh-CN" altLang="en-US"/>
           </a:p>
@@ -2286,7 +2286,7 @@
         <p:spPr>
           <a:xfrm>
             <a:off x="997511" y="1039414"/>
-            <a:ext cx="9938327" cy="6794552"/>
+            <a:ext cx="9938327" cy="4578561"/>
           </a:xfrm>
           <a:prstGeom prst="rect">
             <a:avLst/>
@@ -2325,7 +2325,55 @@
                 <a:ea typeface="宋体" panose="02010600030101010101" pitchFamily="2" charset="-122"/>
                 <a:cs typeface="Helvetica" panose="020B0604020202020204" pitchFamily="34" charset="0"/>
               </a:rPr>
-              <a:t>接口芯片。</a:t>
+              <a:t>接口芯片</a:t>
+            </a:r>
+            <a:r>
+              <a:rPr lang="zh-CN" altLang="en-US" sz="2400" kern="100" dirty="0">
+                <a:solidFill>
+                  <a:srgbClr val="FF0000"/>
+                </a:solidFill>
+                <a:effectLst/>
+                <a:latin typeface="Helvetica" panose="020B0604020202020204" pitchFamily="34" charset="0"/>
+                <a:ea typeface="宋体" panose="02010600030101010101" pitchFamily="2" charset="-122"/>
+                <a:cs typeface="Helvetica" panose="020B0604020202020204" pitchFamily="34" charset="0"/>
+              </a:rPr>
+              <a:t>，是一个</a:t>
+            </a:r>
+            <a:r>
+              <a:rPr lang="en-US" altLang="zh-CN" sz="2400" kern="100" dirty="0">
+                <a:solidFill>
+                  <a:srgbClr val="FF0000"/>
+                </a:solidFill>
+                <a:effectLst/>
+                <a:latin typeface="Helvetica" panose="020B0604020202020204" pitchFamily="34" charset="0"/>
+                <a:ea typeface="宋体" panose="02010600030101010101" pitchFamily="2" charset="-122"/>
+                <a:cs typeface="Helvetica" panose="020B0604020202020204" pitchFamily="34" charset="0"/>
+              </a:rPr>
+              <a:t>I/O</a:t>
+            </a:r>
+            <a:r>
+              <a:rPr lang="zh-CN" altLang="en-US" sz="2400" kern="100" dirty="0">
+                <a:solidFill>
+                  <a:srgbClr val="FF0000"/>
+                </a:solidFill>
+                <a:effectLst/>
+                <a:latin typeface="Helvetica" panose="020B0604020202020204" pitchFamily="34" charset="0"/>
+                <a:ea typeface="宋体" panose="02010600030101010101" pitchFamily="2" charset="-122"/>
+                <a:cs typeface="Helvetica" panose="020B0604020202020204" pitchFamily="34" charset="0"/>
+              </a:rPr>
+              <a:t>接口</a:t>
+            </a:r>
+            <a:r>
+              <a:rPr lang="zh-CN" altLang="zh-CN" sz="2400" kern="100" dirty="0">
+                <a:solidFill>
+                  <a:srgbClr val="FF0000"/>
+                </a:solidFill>
+                <a:effectLst/>
+                <a:latin typeface="Helvetica" panose="020B0604020202020204" pitchFamily="34" charset="0"/>
+                <a:ea typeface="宋体" panose="02010600030101010101" pitchFamily="2" charset="-122"/>
+                <a:cs typeface="Helvetica" panose="020B0604020202020204" pitchFamily="34" charset="0"/>
+              </a:rPr>
+              <a:t>。</a:t>
             </a:r>
             <a:r>
               <a:rPr lang="en-US" altLang="zh-CN" sz="2400" kern="0" dirty="0">
@@ -2736,503 +2784,6 @@
               <a:ea typeface="宋体" panose="02010600030101010101" pitchFamily="2" charset="-122"/>
               <a:cs typeface="Arial" panose="020B0604020202020204" pitchFamily="34" charset="0"/>
             </a:endParaRPr>
-          </a:p>
-          <a:p>
-            <a:pPr algn="just"/>
-            <a:endParaRPr lang="zh-CN" altLang="zh-CN" sz="2400" kern="0" dirty="0">
-              <a:solidFill>
-                <a:schemeClr val="bg2">
-                  <a:lumMod val="75000"/>
-                </a:schemeClr>
-              </a:solidFill>
-              <a:latin typeface="Arial" panose="020B0604020202020204" pitchFamily="34" charset="0"/>
-              <a:ea typeface="宋体" panose="02010600030101010101" pitchFamily="2" charset="-122"/>
-              <a:cs typeface="Arial" panose="020B0604020202020204" pitchFamily="34" charset="0"/>
-            </a:endParaRPr>
-          </a:p>
-          <a:p>
-            <a:pPr marL="342900" indent="-342900" algn="just">
-              <a:lnSpc>
-                <a:spcPts val="1800"/>
-              </a:lnSpc>
-              <a:buFont typeface="Wingdings" panose="05000000000000000000" pitchFamily="2" charset="2"/>
-              <a:buChar char=""/>
-            </a:pPr>
-            <a:r>
-              <a:rPr lang="zh-CN" altLang="zh-CN" sz="2400" kern="0" dirty="0">
-                <a:solidFill>
-                  <a:schemeClr val="bg2">
-                    <a:lumMod val="75000"/>
-                  </a:schemeClr>
-                </a:solidFill>
-                <a:latin typeface="Arial" panose="020B0604020202020204" pitchFamily="34" charset="0"/>
-                <a:ea typeface="宋体" panose="02010600030101010101" pitchFamily="2" charset="-122"/>
-                <a:cs typeface="Arial" panose="020B0604020202020204" pitchFamily="34" charset="0"/>
-              </a:rPr>
-              <a:t>可选择</a:t>
-            </a:r>
-            <a:r>
-              <a:rPr lang="en-US" altLang="zh-CN" sz="2400" kern="0" dirty="0">
-                <a:solidFill>
-                  <a:schemeClr val="bg2">
-                    <a:lumMod val="75000"/>
-                  </a:schemeClr>
-                </a:solidFill>
-                <a:latin typeface="Arial" panose="020B0604020202020204" pitchFamily="34" charset="0"/>
-                <a:ea typeface="宋体" panose="02010600030101010101" pitchFamily="2" charset="-122"/>
-                <a:cs typeface="Arial" panose="020B0604020202020204" pitchFamily="34" charset="0"/>
-              </a:rPr>
-              <a:t>1</a:t>
-            </a:r>
-            <a:r>
-              <a:rPr lang="zh-CN" altLang="zh-CN" sz="2400" kern="0" dirty="0">
-                <a:solidFill>
-                  <a:schemeClr val="bg2">
-                    <a:lumMod val="75000"/>
-                  </a:schemeClr>
-                </a:solidFill>
-                <a:latin typeface="Arial" panose="020B0604020202020204" pitchFamily="34" charset="0"/>
-                <a:ea typeface="宋体" panose="02010600030101010101" pitchFamily="2" charset="-122"/>
-                <a:cs typeface="Arial" panose="020B0604020202020204" pitchFamily="34" charset="0"/>
-              </a:rPr>
-              <a:t>：</a:t>
-            </a:r>
-            <a:r>
-              <a:rPr lang="en-US" altLang="zh-CN" sz="2400" kern="0" dirty="0">
-                <a:solidFill>
-                  <a:schemeClr val="bg2">
-                    <a:lumMod val="75000"/>
-                  </a:schemeClr>
-                </a:solidFill>
-                <a:latin typeface="Arial" panose="020B0604020202020204" pitchFamily="34" charset="0"/>
-                <a:ea typeface="宋体" panose="02010600030101010101" pitchFamily="2" charset="-122"/>
-                <a:cs typeface="Arial" panose="020B0604020202020204" pitchFamily="34" charset="0"/>
-              </a:rPr>
-              <a:t>1 YL18-2050S,YT37-1107S </a:t>
-            </a:r>
-            <a:r>
-              <a:rPr lang="zh-CN" altLang="zh-CN" sz="2400" kern="0" dirty="0">
-                <a:solidFill>
-                  <a:schemeClr val="bg2">
-                    <a:lumMod val="75000"/>
-                  </a:schemeClr>
-                </a:solidFill>
-                <a:latin typeface="Arial" panose="020B0604020202020204" pitchFamily="34" charset="0"/>
-                <a:ea typeface="宋体" panose="02010600030101010101" pitchFamily="2" charset="-122"/>
-                <a:cs typeface="Arial" panose="020B0604020202020204" pitchFamily="34" charset="0"/>
-              </a:rPr>
-              <a:t>或</a:t>
-            </a:r>
-            <a:r>
-              <a:rPr lang="en-US" altLang="zh-CN" sz="2400" kern="0" dirty="0">
-                <a:solidFill>
-                  <a:schemeClr val="bg2">
-                    <a:lumMod val="75000"/>
-                  </a:schemeClr>
-                </a:solidFill>
-                <a:latin typeface="Arial" panose="020B0604020202020204" pitchFamily="34" charset="0"/>
-                <a:ea typeface="宋体" panose="02010600030101010101" pitchFamily="2" charset="-122"/>
-                <a:cs typeface="Arial" panose="020B0604020202020204" pitchFamily="34" charset="0"/>
-              </a:rPr>
-              <a:t>5</a:t>
-            </a:r>
-            <a:r>
-              <a:rPr lang="zh-CN" altLang="zh-CN" sz="2400" kern="0" dirty="0">
-                <a:solidFill>
-                  <a:schemeClr val="bg2">
-                    <a:lumMod val="75000"/>
-                  </a:schemeClr>
-                </a:solidFill>
-                <a:latin typeface="Arial" panose="020B0604020202020204" pitchFamily="34" charset="0"/>
-                <a:ea typeface="宋体" panose="02010600030101010101" pitchFamily="2" charset="-122"/>
-                <a:cs typeface="Arial" panose="020B0604020202020204" pitchFamily="34" charset="0"/>
-              </a:rPr>
-              <a:t>：</a:t>
-            </a:r>
-            <a:r>
-              <a:rPr lang="en-US" altLang="zh-CN" sz="2400" kern="0" dirty="0">
-                <a:solidFill>
-                  <a:schemeClr val="bg2">
-                    <a:lumMod val="75000"/>
-                  </a:schemeClr>
-                </a:solidFill>
-                <a:latin typeface="Arial" panose="020B0604020202020204" pitchFamily="34" charset="0"/>
-                <a:ea typeface="宋体" panose="02010600030101010101" pitchFamily="2" charset="-122"/>
-                <a:cs typeface="Arial" panose="020B0604020202020204" pitchFamily="34" charset="0"/>
-              </a:rPr>
-              <a:t>4</a:t>
-            </a:r>
-            <a:r>
-              <a:rPr lang="zh-CN" altLang="zh-CN" sz="2400" kern="0" dirty="0">
-                <a:solidFill>
-                  <a:schemeClr val="bg2">
-                    <a:lumMod val="75000"/>
-                  </a:schemeClr>
-                </a:solidFill>
-                <a:latin typeface="Arial" panose="020B0604020202020204" pitchFamily="34" charset="0"/>
-                <a:ea typeface="宋体" panose="02010600030101010101" pitchFamily="2" charset="-122"/>
-                <a:cs typeface="Arial" panose="020B0604020202020204" pitchFamily="34" charset="0"/>
-              </a:rPr>
-              <a:t>变压比例的变压器降低格外功率</a:t>
-            </a:r>
-            <a:endParaRPr lang="en-US" altLang="zh-CN" sz="2400" kern="0" dirty="0">
-              <a:solidFill>
-                <a:schemeClr val="bg2">
-                  <a:lumMod val="75000"/>
-                </a:schemeClr>
-              </a:solidFill>
-              <a:latin typeface="Arial" panose="020B0604020202020204" pitchFamily="34" charset="0"/>
-              <a:ea typeface="宋体" panose="02010600030101010101" pitchFamily="2" charset="-122"/>
-              <a:cs typeface="Arial" panose="020B0604020202020204" pitchFamily="34" charset="0"/>
-            </a:endParaRPr>
-          </a:p>
-          <a:p>
-            <a:pPr algn="just">
-              <a:lnSpc>
-                <a:spcPts val="1800"/>
-              </a:lnSpc>
-            </a:pPr>
-            <a:endParaRPr lang="zh-CN" altLang="zh-CN" sz="2400" kern="0" dirty="0">
-              <a:solidFill>
-                <a:schemeClr val="bg2">
-                  <a:lumMod val="75000"/>
-                </a:schemeClr>
-              </a:solidFill>
-              <a:latin typeface="Arial" panose="020B0604020202020204" pitchFamily="34" charset="0"/>
-              <a:ea typeface="宋体" panose="02010600030101010101" pitchFamily="2" charset="-122"/>
-              <a:cs typeface="Arial" panose="020B0604020202020204" pitchFamily="34" charset="0"/>
-            </a:endParaRPr>
-          </a:p>
-          <a:p>
-            <a:pPr marL="342900" indent="-342900" algn="just">
-              <a:lnSpc>
-                <a:spcPts val="1800"/>
-              </a:lnSpc>
-              <a:buFont typeface="Wingdings" panose="05000000000000000000" pitchFamily="2" charset="2"/>
-              <a:buChar char=""/>
-            </a:pPr>
-            <a:r>
-              <a:rPr lang="zh-CN" altLang="zh-CN" sz="2400" kern="0" dirty="0">
-                <a:solidFill>
-                  <a:schemeClr val="bg2">
-                    <a:lumMod val="75000"/>
-                  </a:schemeClr>
-                </a:solidFill>
-                <a:latin typeface="Arial" panose="020B0604020202020204" pitchFamily="34" charset="0"/>
-                <a:ea typeface="宋体" panose="02010600030101010101" pitchFamily="2" charset="-122"/>
-                <a:cs typeface="Arial" panose="020B0604020202020204" pitchFamily="34" charset="0"/>
-              </a:rPr>
-              <a:t>兼容</a:t>
-            </a:r>
-            <a:r>
-              <a:rPr lang="en-US" altLang="zh-CN" sz="2400" kern="0" dirty="0">
-                <a:solidFill>
-                  <a:schemeClr val="bg2">
-                    <a:lumMod val="75000"/>
-                  </a:schemeClr>
-                </a:solidFill>
-                <a:latin typeface="Arial" panose="020B0604020202020204" pitchFamily="34" charset="0"/>
-                <a:ea typeface="宋体" panose="02010600030101010101" pitchFamily="2" charset="-122"/>
-                <a:cs typeface="Arial" panose="020B0604020202020204" pitchFamily="34" charset="0"/>
-              </a:rPr>
-              <a:t>3.3v</a:t>
-            </a:r>
-            <a:r>
-              <a:rPr lang="zh-CN" altLang="zh-CN" sz="2400" kern="0" dirty="0">
-                <a:solidFill>
-                  <a:schemeClr val="bg2">
-                    <a:lumMod val="75000"/>
-                  </a:schemeClr>
-                </a:solidFill>
-                <a:latin typeface="Arial" panose="020B0604020202020204" pitchFamily="34" charset="0"/>
-                <a:ea typeface="宋体" panose="02010600030101010101" pitchFamily="2" charset="-122"/>
-                <a:cs typeface="Arial" panose="020B0604020202020204" pitchFamily="34" charset="0"/>
-              </a:rPr>
-              <a:t>和</a:t>
-            </a:r>
-            <a:r>
-              <a:rPr lang="en-US" altLang="zh-CN" sz="2400" kern="0" dirty="0">
-                <a:solidFill>
-                  <a:schemeClr val="bg2">
-                    <a:lumMod val="75000"/>
-                  </a:schemeClr>
-                </a:solidFill>
-                <a:latin typeface="Arial" panose="020B0604020202020204" pitchFamily="34" charset="0"/>
-                <a:ea typeface="宋体" panose="02010600030101010101" pitchFamily="2" charset="-122"/>
-                <a:cs typeface="Arial" panose="020B0604020202020204" pitchFamily="34" charset="0"/>
-              </a:rPr>
-              <a:t>5.0v</a:t>
-            </a:r>
-            <a:r>
-              <a:rPr lang="zh-CN" altLang="zh-CN" sz="2400" kern="0" dirty="0">
-                <a:solidFill>
-                  <a:schemeClr val="bg2">
-                    <a:lumMod val="75000"/>
-                  </a:schemeClr>
-                </a:solidFill>
-                <a:latin typeface="Arial" panose="020B0604020202020204" pitchFamily="34" charset="0"/>
-                <a:ea typeface="宋体" panose="02010600030101010101" pitchFamily="2" charset="-122"/>
-                <a:cs typeface="Arial" panose="020B0604020202020204" pitchFamily="34" charset="0"/>
-              </a:rPr>
-              <a:t>输入输出电压</a:t>
-            </a:r>
-            <a:endParaRPr lang="en-US" altLang="zh-CN" sz="2400" kern="0" dirty="0">
-              <a:solidFill>
-                <a:schemeClr val="bg2">
-                  <a:lumMod val="75000"/>
-                </a:schemeClr>
-              </a:solidFill>
-              <a:latin typeface="Arial" panose="020B0604020202020204" pitchFamily="34" charset="0"/>
-              <a:ea typeface="宋体" panose="02010600030101010101" pitchFamily="2" charset="-122"/>
-              <a:cs typeface="Arial" panose="020B0604020202020204" pitchFamily="34" charset="0"/>
-            </a:endParaRPr>
-          </a:p>
-          <a:p>
-            <a:pPr marL="342900" indent="-342900" algn="just">
-              <a:lnSpc>
-                <a:spcPts val="1800"/>
-              </a:lnSpc>
-              <a:buFont typeface="Wingdings" panose="05000000000000000000" pitchFamily="2" charset="2"/>
-              <a:buChar char=""/>
-            </a:pPr>
-            <a:endParaRPr lang="zh-CN" altLang="zh-CN" sz="2400" kern="0" dirty="0">
-              <a:solidFill>
-                <a:srgbClr val="333333"/>
-              </a:solidFill>
-              <a:latin typeface="Arial" panose="020B0604020202020204" pitchFamily="34" charset="0"/>
-              <a:ea typeface="宋体" panose="02010600030101010101" pitchFamily="2" charset="-122"/>
-              <a:cs typeface="Arial" panose="020B0604020202020204" pitchFamily="34" charset="0"/>
-            </a:endParaRPr>
-          </a:p>
-          <a:p>
-            <a:pPr marL="342900" indent="-342900" algn="just">
-              <a:lnSpc>
-                <a:spcPts val="1800"/>
-              </a:lnSpc>
-              <a:buFont typeface="Wingdings" panose="05000000000000000000" pitchFamily="2" charset="2"/>
-              <a:buChar char=""/>
-            </a:pPr>
-            <a:endParaRPr lang="zh-CN" altLang="zh-CN" sz="2400" kern="0" dirty="0">
-              <a:solidFill>
-                <a:schemeClr val="bg2">
-                  <a:lumMod val="75000"/>
-                </a:schemeClr>
-              </a:solidFill>
-              <a:latin typeface="Arial" panose="020B0604020202020204" pitchFamily="34" charset="0"/>
-              <a:ea typeface="宋体" panose="02010600030101010101" pitchFamily="2" charset="-122"/>
-              <a:cs typeface="Arial" panose="020B0604020202020204" pitchFamily="34" charset="0"/>
-            </a:endParaRPr>
-          </a:p>
-          <a:p>
-            <a:pPr marL="342900" indent="-342900" algn="just">
-              <a:lnSpc>
-                <a:spcPts val="1800"/>
-              </a:lnSpc>
-              <a:buFont typeface="Wingdings" panose="05000000000000000000" pitchFamily="2" charset="2"/>
-              <a:buChar char=""/>
-            </a:pPr>
-            <a:r>
-              <a:rPr lang="zh-CN" altLang="zh-CN" sz="2400" kern="0" dirty="0">
-                <a:solidFill>
-                  <a:schemeClr val="bg2">
-                    <a:lumMod val="75000"/>
-                  </a:schemeClr>
-                </a:solidFill>
-                <a:latin typeface="Arial" panose="020B0604020202020204" pitchFamily="34" charset="0"/>
-                <a:ea typeface="宋体" panose="02010600030101010101" pitchFamily="2" charset="-122"/>
-                <a:cs typeface="Arial" panose="020B0604020202020204" pitchFamily="34" charset="0"/>
-              </a:rPr>
-              <a:t>支持使用</a:t>
-            </a:r>
-            <a:r>
-              <a:rPr lang="en-US" altLang="zh-CN" sz="2400" kern="0" dirty="0">
-                <a:solidFill>
-                  <a:schemeClr val="bg2">
-                    <a:lumMod val="75000"/>
-                  </a:schemeClr>
-                </a:solidFill>
-                <a:latin typeface="Arial" panose="020B0604020202020204" pitchFamily="34" charset="0"/>
-                <a:ea typeface="宋体" panose="02010600030101010101" pitchFamily="2" charset="-122"/>
-                <a:cs typeface="Arial" panose="020B0604020202020204" pitchFamily="34" charset="0"/>
-              </a:rPr>
-              <a:t>10MBps</a:t>
-            </a:r>
-            <a:r>
-              <a:rPr lang="zh-CN" altLang="zh-CN" sz="2400" kern="0" dirty="0">
-                <a:solidFill>
-                  <a:schemeClr val="bg2">
-                    <a:lumMod val="75000"/>
-                  </a:schemeClr>
-                </a:solidFill>
-                <a:latin typeface="Arial" panose="020B0604020202020204" pitchFamily="34" charset="0"/>
-                <a:ea typeface="宋体" panose="02010600030101010101" pitchFamily="2" charset="-122"/>
-                <a:cs typeface="Arial" panose="020B0604020202020204" pitchFamily="34" charset="0"/>
-              </a:rPr>
-              <a:t>下</a:t>
-            </a:r>
-            <a:r>
-              <a:rPr lang="en-US" altLang="zh-CN" sz="2400" kern="0" dirty="0">
-                <a:solidFill>
-                  <a:schemeClr val="bg2">
-                    <a:lumMod val="75000"/>
-                  </a:schemeClr>
-                </a:solidFill>
-                <a:latin typeface="Arial" panose="020B0604020202020204" pitchFamily="34" charset="0"/>
-                <a:ea typeface="宋体" panose="02010600030101010101" pitchFamily="2" charset="-122"/>
-                <a:cs typeface="Arial" panose="020B0604020202020204" pitchFamily="34" charset="0"/>
-              </a:rPr>
-              <a:t>3</a:t>
-            </a:r>
-            <a:r>
-              <a:rPr lang="zh-CN" altLang="zh-CN" sz="2400" kern="0" dirty="0">
-                <a:solidFill>
-                  <a:schemeClr val="bg2">
-                    <a:lumMod val="75000"/>
-                  </a:schemeClr>
-                </a:solidFill>
-                <a:latin typeface="Arial" panose="020B0604020202020204" pitchFamily="34" charset="0"/>
-                <a:ea typeface="宋体" panose="02010600030101010101" pitchFamily="2" charset="-122"/>
-                <a:cs typeface="Arial" panose="020B0604020202020204" pitchFamily="34" charset="0"/>
-              </a:rPr>
-              <a:t>类、</a:t>
-            </a:r>
-            <a:r>
-              <a:rPr lang="en-US" altLang="zh-CN" sz="2400" kern="0" dirty="0">
-                <a:solidFill>
-                  <a:schemeClr val="bg2">
-                    <a:lumMod val="75000"/>
-                  </a:schemeClr>
-                </a:solidFill>
-                <a:latin typeface="Arial" panose="020B0604020202020204" pitchFamily="34" charset="0"/>
-                <a:ea typeface="宋体" panose="02010600030101010101" pitchFamily="2" charset="-122"/>
-                <a:cs typeface="Arial" panose="020B0604020202020204" pitchFamily="34" charset="0"/>
-              </a:rPr>
-              <a:t>4</a:t>
-            </a:r>
-            <a:r>
-              <a:rPr lang="zh-CN" altLang="zh-CN" sz="2400" kern="0" dirty="0">
-                <a:solidFill>
-                  <a:schemeClr val="bg2">
-                    <a:lumMod val="75000"/>
-                  </a:schemeClr>
-                </a:solidFill>
-                <a:latin typeface="Arial" panose="020B0604020202020204" pitchFamily="34" charset="0"/>
-                <a:ea typeface="宋体" panose="02010600030101010101" pitchFamily="2" charset="-122"/>
-                <a:cs typeface="Arial" panose="020B0604020202020204" pitchFamily="34" charset="0"/>
-              </a:rPr>
-              <a:t>类、</a:t>
-            </a:r>
-            <a:r>
-              <a:rPr lang="en-US" altLang="zh-CN" sz="2400" kern="0" dirty="0">
-                <a:solidFill>
-                  <a:schemeClr val="bg2">
-                    <a:lumMod val="75000"/>
-                  </a:schemeClr>
-                </a:solidFill>
-                <a:latin typeface="Arial" panose="020B0604020202020204" pitchFamily="34" charset="0"/>
-                <a:ea typeface="宋体" panose="02010600030101010101" pitchFamily="2" charset="-122"/>
-                <a:cs typeface="Arial" panose="020B0604020202020204" pitchFamily="34" charset="0"/>
-              </a:rPr>
-              <a:t>5</a:t>
-            </a:r>
-            <a:r>
-              <a:rPr lang="zh-CN" altLang="zh-CN" sz="2400" kern="0" dirty="0">
-                <a:solidFill>
-                  <a:schemeClr val="bg2">
-                    <a:lumMod val="75000"/>
-                  </a:schemeClr>
-                </a:solidFill>
-                <a:latin typeface="Arial" panose="020B0604020202020204" pitchFamily="34" charset="0"/>
-                <a:ea typeface="宋体" panose="02010600030101010101" pitchFamily="2" charset="-122"/>
-                <a:cs typeface="Arial" panose="020B0604020202020204" pitchFamily="34" charset="0"/>
-              </a:rPr>
-              <a:t>类</a:t>
-            </a:r>
-            <a:r>
-              <a:rPr lang="en-US" altLang="zh-CN" sz="2400" kern="0" dirty="0" err="1">
-                <a:solidFill>
-                  <a:schemeClr val="bg2">
-                    <a:lumMod val="75000"/>
-                  </a:schemeClr>
-                </a:solidFill>
-                <a:latin typeface="Arial" panose="020B0604020202020204" pitchFamily="34" charset="0"/>
-                <a:ea typeface="宋体" panose="02010600030101010101" pitchFamily="2" charset="-122"/>
-                <a:cs typeface="Arial" panose="020B0604020202020204" pitchFamily="34" charset="0"/>
-                <a:hlinkClick r:id="rId3">
-                  <a:extLst>
-                    <a:ext uri="{A12FA001-AC4F-418D-AE19-62706E023703}">
-                      <ahyp:hlinkClr xmlns:ahyp="http://schemas.microsoft.com/office/drawing/2018/hyperlinkcolor" val="tx"/>
-                    </a:ext>
-                  </a:extLst>
-                </a:hlinkClick>
-              </a:rPr>
-              <a:t>非屏蔽双绞线</a:t>
-            </a:r>
-            <a:r>
-              <a:rPr lang="zh-CN" altLang="zh-CN" sz="2400" kern="0" dirty="0">
-                <a:solidFill>
-                  <a:schemeClr val="bg2">
-                    <a:lumMod val="75000"/>
-                  </a:schemeClr>
-                </a:solidFill>
-                <a:latin typeface="Arial" panose="020B0604020202020204" pitchFamily="34" charset="0"/>
-                <a:ea typeface="宋体" panose="02010600030101010101" pitchFamily="2" charset="-122"/>
-                <a:cs typeface="Arial" panose="020B0604020202020204" pitchFamily="34" charset="0"/>
-              </a:rPr>
-              <a:t>和</a:t>
-            </a:r>
-            <a:r>
-              <a:rPr lang="en-US" altLang="zh-CN" sz="2400" kern="0" dirty="0">
-                <a:solidFill>
-                  <a:schemeClr val="bg2">
-                    <a:lumMod val="75000"/>
-                  </a:schemeClr>
-                </a:solidFill>
-                <a:latin typeface="Arial" panose="020B0604020202020204" pitchFamily="34" charset="0"/>
-                <a:ea typeface="宋体" panose="02010600030101010101" pitchFamily="2" charset="-122"/>
-                <a:cs typeface="Arial" panose="020B0604020202020204" pitchFamily="34" charset="0"/>
-              </a:rPr>
-              <a:t>100MBps</a:t>
-            </a:r>
-            <a:r>
-              <a:rPr lang="zh-CN" altLang="zh-CN" sz="2400" kern="0" dirty="0">
-                <a:solidFill>
-                  <a:schemeClr val="bg2">
-                    <a:lumMod val="75000"/>
-                  </a:schemeClr>
-                </a:solidFill>
-                <a:latin typeface="Arial" panose="020B0604020202020204" pitchFamily="34" charset="0"/>
-                <a:ea typeface="宋体" panose="02010600030101010101" pitchFamily="2" charset="-122"/>
-                <a:cs typeface="Arial" panose="020B0604020202020204" pitchFamily="34" charset="0"/>
-              </a:rPr>
-              <a:t>下</a:t>
-            </a:r>
-            <a:r>
-              <a:rPr lang="en-US" altLang="zh-CN" sz="2400" kern="0" dirty="0">
-                <a:solidFill>
-                  <a:schemeClr val="bg2">
-                    <a:lumMod val="75000"/>
-                  </a:schemeClr>
-                </a:solidFill>
-                <a:latin typeface="Arial" panose="020B0604020202020204" pitchFamily="34" charset="0"/>
-                <a:ea typeface="宋体" panose="02010600030101010101" pitchFamily="2" charset="-122"/>
-                <a:cs typeface="Arial" panose="020B0604020202020204" pitchFamily="34" charset="0"/>
-              </a:rPr>
-              <a:t>5</a:t>
-            </a:r>
-            <a:r>
-              <a:rPr lang="zh-CN" altLang="zh-CN" sz="2400" kern="0" dirty="0">
-                <a:solidFill>
-                  <a:schemeClr val="bg2">
-                    <a:lumMod val="75000"/>
-                  </a:schemeClr>
-                </a:solidFill>
-                <a:latin typeface="Arial" panose="020B0604020202020204" pitchFamily="34" charset="0"/>
-                <a:ea typeface="宋体" panose="02010600030101010101" pitchFamily="2" charset="-122"/>
-                <a:cs typeface="Arial" panose="020B0604020202020204" pitchFamily="34" charset="0"/>
-              </a:rPr>
-              <a:t>类非屏蔽双绞线。</a:t>
-            </a:r>
           </a:p>
           <a:p>
             <a:pPr>
@@ -4717,7 +4268,7 @@
                 <a:ea typeface="宋体" panose="02010600030101010101" pitchFamily="2" charset="-122"/>
                 <a:cs typeface="Times New Roman" panose="02020603050405020304" pitchFamily="18" charset="0"/>
               </a:rPr>
-              <a:t>DM9000</a:t>
+              <a:t>DM9000A</a:t>
             </a:r>
             <a:r>
               <a:rPr lang="zh-CN" altLang="zh-CN" sz="2400" kern="100" dirty="0">
@@ -4729,31 +4280,7 @@
                 <a:ea typeface="宋体" panose="02010600030101010101" pitchFamily="2" charset="-122"/>
                 <a:cs typeface="Arial" panose="020B0604020202020204" pitchFamily="34" charset="0"/>
               </a:rPr>
-              <a:t>（</a:t>
-            </a:r>
-            <a:r>
-              <a:rPr lang="en-US" altLang="zh-CN" sz="2400" kern="100" dirty="0">
-                <a:solidFill>
-                  <a:srgbClr val="333333"/>
-                </a:solidFill>
-                <a:effectLst/>
-                <a:latin typeface="Arial" panose="020B0604020202020204" pitchFamily="34" charset="0"/>
-                <a:ea typeface="宋体" panose="02010600030101010101" pitchFamily="2" charset="-122"/>
-                <a:cs typeface="Times New Roman" panose="02020603050405020304" pitchFamily="18" charset="0"/>
-              </a:rPr>
-              <a:t>A</a:t>
-            </a:r>
-            <a:r>
-              <a:rPr lang="zh-CN" altLang="zh-CN" sz="2400" kern="100" dirty="0">
-                <a:solidFill>
-                  <a:srgbClr val="333333"/>
-                </a:solidFill>
-                <a:effectLst/>
-                <a:latin typeface="Arial" panose="020B0604020202020204" pitchFamily="34" charset="0"/>
-                <a:ea typeface="宋体" panose="02010600030101010101" pitchFamily="2" charset="-122"/>
-                <a:cs typeface="Arial" panose="020B0604020202020204" pitchFamily="34" charset="0"/>
-              </a:rPr>
-              <a:t>）包含一系列控制状态寄存器，字节对齐，在硬件或</a:t>
+              <a:t>包含一系列控制状态寄存器，字节对齐，在硬件或</a:t>
             </a:r>
             <a:r>
               <a:rPr lang="en-US" altLang="zh-CN" sz="2400" kern="100" dirty="0" err="1">
@@ -6771,10 +6298,10 @@
       </p:pic>
       <p:sp>
         <p:nvSpPr>
-          <p:cNvPr id="7" name="文本框 6">
+          <p:cNvPr id="4" name="文本框 3">
             <a:extLst>
               <a:ext uri="{FF2B5EF4-FFF2-40B4-BE49-F238E27FC236}">
-                <a16:creationId xmlns:a16="http://schemas.microsoft.com/office/drawing/2014/main" id="{FC8BFB1F-2EF9-FAD0-298D-7113FC096D55}"/>
+                <a16:creationId xmlns:a16="http://schemas.microsoft.com/office/drawing/2014/main" id="{4D60F4E9-268B-854F-6F5C-F9F1D4E9F9A8}"/>
               </a:ext>
             </a:extLst>
           </p:cNvPr>
@@ -6783,8 +6310,8 @@
         </p:nvSpPr>
         <p:spPr>
           <a:xfrm>
-            <a:off x="946727" y="2718298"/>
-            <a:ext cx="4451927" cy="523220"/>
+            <a:off x="966569" y="778144"/>
+            <a:ext cx="10501745" cy="4647426"/>
           </a:xfrm>
           <a:prstGeom prst="rect">
             <a:avLst/>
@@ -6798,209 +6325,38 @@
           <a:lstStyle/>
           <a:p>
             <a:r>
-              <a:rPr lang="en-US" altLang="zh-CN" sz="2800" b="1" kern="2200" dirty="0">
-                <a:latin typeface="Calibri" panose="020F0502020204030204" pitchFamily="34" charset="0"/>
-                <a:ea typeface="宋体" panose="02010600030101010101" pitchFamily="2" charset="-122"/>
-                <a:cs typeface="Times New Roman" panose="02020603050405020304" pitchFamily="18" charset="0"/>
-              </a:rPr>
-              <a:t>LADDR2  &amp; </a:t>
-            </a:r>
-            <a:r>
-              <a:rPr lang="zh-CN" altLang="en-US" sz="2800" b="1" kern="2200" dirty="0">
-                <a:latin typeface="Calibri" panose="020F0502020204030204" pitchFamily="34" charset="0"/>
-                <a:ea typeface="宋体" panose="02010600030101010101" pitchFamily="2" charset="-122"/>
-                <a:cs typeface="Times New Roman" panose="02020603050405020304" pitchFamily="18" charset="0"/>
-              </a:rPr>
-              <a:t>偏移地址</a:t>
-            </a:r>
-            <a:endParaRPr lang="zh-CN" altLang="en-US" sz="2800" dirty="0"/>
+              <a:rPr lang="zh-CN" altLang="en-US" sz="2800" b="1" dirty="0"/>
+              <a:t>片选信号</a:t>
+            </a:r>
+            <a:r>
+              <a:rPr lang="en-US" altLang="zh-CN" sz="2800" b="1" dirty="0"/>
+              <a:t>CS  &amp; </a:t>
+            </a:r>
+            <a:r>
+              <a:rPr lang="zh-CN" altLang="en-US" sz="2800" b="1" dirty="0"/>
+              <a:t>基地址</a:t>
+            </a:r>
+            <a:endParaRPr lang="en-US" altLang="zh-CN" sz="2800" b="1" dirty="0"/>
           </a:p>
-        </p:txBody>
-      </p:sp>
-      <p:sp>
-        <p:nvSpPr>
-          <p:cNvPr id="2" name="文本框 1">
-            <a:extLst>
-              <a:ext uri="{FF2B5EF4-FFF2-40B4-BE49-F238E27FC236}">
-                <a16:creationId xmlns:a16="http://schemas.microsoft.com/office/drawing/2014/main" id="{5D7F4C07-B2E7-F1BC-174F-6B3ADB7C16BF}"/>
-              </a:ext>
-            </a:extLst>
-          </p:cNvPr>
-          <p:cNvSpPr txBox="1"/>
-          <p:nvPr/>
-        </p:nvSpPr>
-        <p:spPr>
-          <a:xfrm>
-            <a:off x="723686" y="3668174"/>
-            <a:ext cx="10501745" cy="1200329"/>
-          </a:xfrm>
-          <a:prstGeom prst="rect">
-            <a:avLst/>
-          </a:prstGeom>
-          <a:noFill/>
-        </p:spPr>
-        <p:txBody>
-          <a:bodyPr wrap="square" rtlCol="0">
-            <a:spAutoFit/>
-          </a:bodyPr>
-          <a:lstStyle/>
           <a:p>
             <a:pPr marL="285750" indent="-285750">
               <a:buFont typeface="Arial" panose="020B0604020202020204" pitchFamily="34" charset="0"/>
               <a:buChar char="•"/>
             </a:pPr>
-            <a:r>
-              <a:rPr lang="zh-CN" altLang="en-US" sz="2400" dirty="0"/>
-              <a:t>图中的</a:t>
-            </a:r>
-            <a:r>
-              <a:rPr lang="en-US" altLang="zh-CN" sz="2400" dirty="0"/>
-              <a:t>CMD</a:t>
-            </a:r>
-            <a:r>
-              <a:rPr lang="zh-CN" altLang="en-US" sz="2400" dirty="0"/>
-              <a:t>接到了</a:t>
-            </a:r>
-            <a:r>
-              <a:rPr lang="en-US" altLang="zh-CN" sz="2400" dirty="0"/>
-              <a:t>LADDR2</a:t>
-            </a:r>
-            <a:r>
-              <a:rPr lang="zh-CN" altLang="en-US" sz="2400" dirty="0"/>
-              <a:t>。首先满足总线地址需要首先在 </a:t>
-            </a:r>
-            <a:r>
-              <a:rPr lang="en-US" altLang="zh-CN" sz="2400" dirty="0"/>
-              <a:t>BANK43</a:t>
-            </a:r>
-            <a:r>
-              <a:rPr lang="zh-CN" altLang="en-US" sz="2400" dirty="0"/>
-              <a:t>里面（这样 </a:t>
-            </a:r>
-            <a:r>
-              <a:rPr lang="en-US" altLang="zh-CN" sz="2400" dirty="0"/>
-              <a:t>CS43</a:t>
-            </a:r>
-            <a:r>
-              <a:rPr lang="zh-CN" altLang="en-US" sz="2400" dirty="0"/>
-              <a:t>才能自动选中），其次满足最后四位为 </a:t>
-            </a:r>
-            <a:r>
-              <a:rPr lang="en-US" altLang="zh-CN" sz="2400" dirty="0"/>
-              <a:t>0</a:t>
-            </a:r>
-            <a:r>
-              <a:rPr lang="zh-CN" altLang="en-US" sz="2400" dirty="0"/>
-              <a:t>（传送寄存器地址）或 </a:t>
-            </a:r>
-            <a:r>
-              <a:rPr lang="en-US" altLang="zh-CN" sz="2400" dirty="0"/>
-              <a:t>4</a:t>
-            </a:r>
-            <a:r>
-              <a:rPr lang="zh-CN" altLang="en-US" sz="2400" dirty="0"/>
-              <a:t>（传送数据）就可以了，满足这两个条件地址随便设。</a:t>
-            </a:r>
+            <a:endParaRPr lang="en-US" altLang="zh-CN" sz="2400" b="1" dirty="0"/>
           </a:p>
-        </p:txBody>
-      </p:sp>
-      <p:sp>
-        <p:nvSpPr>
-          <p:cNvPr id="3" name="文本框 2">
-            <a:extLst>
-              <a:ext uri="{FF2B5EF4-FFF2-40B4-BE49-F238E27FC236}">
-                <a16:creationId xmlns:a16="http://schemas.microsoft.com/office/drawing/2014/main" id="{5E12337A-834F-2CE9-87D3-FB349ADE9F29}"/>
-              </a:ext>
-            </a:extLst>
-          </p:cNvPr>
-          <p:cNvSpPr txBox="1"/>
-          <p:nvPr/>
-        </p:nvSpPr>
-        <p:spPr>
-          <a:xfrm>
-            <a:off x="946727" y="475971"/>
-            <a:ext cx="4451927" cy="523220"/>
-          </a:xfrm>
-          <a:prstGeom prst="rect">
-            <a:avLst/>
-          </a:prstGeom>
-          <a:noFill/>
-        </p:spPr>
-        <p:txBody>
-          <a:bodyPr wrap="square" rtlCol="0">
-            <a:spAutoFit/>
-          </a:bodyPr>
-          <a:lstStyle/>
-          <a:p>
-            <a:r>
-              <a:rPr lang="zh-CN" altLang="en-US" sz="2800" b="1" kern="2200" dirty="0">
-                <a:effectLst/>
-                <a:latin typeface="Calibri" panose="020F0502020204030204" pitchFamily="34" charset="0"/>
-                <a:ea typeface="宋体" panose="02010600030101010101" pitchFamily="2" charset="-122"/>
-                <a:cs typeface="Times New Roman" panose="02020603050405020304" pitchFamily="18" charset="0"/>
-              </a:rPr>
-              <a:t>片选</a:t>
-            </a:r>
-            <a:r>
-              <a:rPr lang="zh-CN" altLang="en-US" sz="2800" b="1" kern="2200" dirty="0">
-                <a:latin typeface="Calibri" panose="020F0502020204030204" pitchFamily="34" charset="0"/>
-                <a:ea typeface="宋体" panose="02010600030101010101" pitchFamily="2" charset="-122"/>
-                <a:cs typeface="Times New Roman" panose="02020603050405020304" pitchFamily="18" charset="0"/>
-              </a:rPr>
-              <a:t>信号</a:t>
-            </a:r>
-            <a:r>
-              <a:rPr lang="en-US" altLang="zh-CN" sz="2800" b="1" kern="2200" dirty="0">
-                <a:latin typeface="Calibri" panose="020F0502020204030204" pitchFamily="34" charset="0"/>
-                <a:ea typeface="宋体" panose="02010600030101010101" pitchFamily="2" charset="-122"/>
-                <a:cs typeface="Times New Roman" panose="02020603050405020304" pitchFamily="18" charset="0"/>
-              </a:rPr>
-              <a:t>CS  &amp; </a:t>
-            </a:r>
-            <a:r>
-              <a:rPr lang="zh-CN" altLang="en-US" sz="2800" b="1" kern="2200" dirty="0">
-                <a:latin typeface="Calibri" panose="020F0502020204030204" pitchFamily="34" charset="0"/>
-                <a:ea typeface="宋体" panose="02010600030101010101" pitchFamily="2" charset="-122"/>
-                <a:cs typeface="Times New Roman" panose="02020603050405020304" pitchFamily="18" charset="0"/>
-              </a:rPr>
-              <a:t>基地址</a:t>
-            </a:r>
-            <a:endParaRPr lang="zh-CN" altLang="en-US" sz="2800" dirty="0"/>
-          </a:p>
-        </p:txBody>
-      </p:sp>
-      <p:sp>
-        <p:nvSpPr>
-          <p:cNvPr id="4" name="文本框 3">
-            <a:extLst>
-              <a:ext uri="{FF2B5EF4-FFF2-40B4-BE49-F238E27FC236}">
-                <a16:creationId xmlns:a16="http://schemas.microsoft.com/office/drawing/2014/main" id="{4D60F4E9-268B-854F-6F5C-F9F1D4E9F9A8}"/>
-              </a:ext>
-            </a:extLst>
-          </p:cNvPr>
-          <p:cNvSpPr txBox="1"/>
-          <p:nvPr/>
-        </p:nvSpPr>
-        <p:spPr>
-          <a:xfrm>
-            <a:off x="752764" y="1401529"/>
-            <a:ext cx="10501745" cy="830997"/>
-          </a:xfrm>
-          <a:prstGeom prst="rect">
-            <a:avLst/>
-          </a:prstGeom>
-          <a:noFill/>
-        </p:spPr>
-        <p:txBody>
-          <a:bodyPr wrap="square" rtlCol="0">
-            <a:spAutoFit/>
-          </a:bodyPr>
-          <a:lstStyle/>
           <a:p>
             <a:pPr marL="285750" indent="-285750">
               <a:buFont typeface="Arial" panose="020B0604020202020204" pitchFamily="34" charset="0"/>
               <a:buChar char="•"/>
             </a:pPr>
+            <a:endParaRPr lang="en-US" altLang="zh-CN" sz="2400" b="1" dirty="0"/>
+          </a:p>
+          <a:p>
+            <a:pPr marL="285750" indent="-285750">
+              <a:buFont typeface="Arial" panose="020B0604020202020204" pitchFamily="34" charset="0"/>
+              <a:buChar char="•"/>
+            </a:pPr>
             <a:r>
               <a:rPr lang="zh-CN" altLang="en-US" sz="2400" dirty="0"/>
               <a:t>图中片选信号</a:t>
@@ -7063,11 +6419,49 @@
             </a:r>
             <a:r>
               <a:rPr lang="zh-CN" altLang="en-US" sz="2400" dirty="0"/>
-              <a:t>这个其实无所谓，可以接任意</a:t>
-            </a:r>
-            <a:r>
-              <a:rPr lang="en-US" altLang="zh-CN" sz="2400" dirty="0" err="1"/>
-              <a:t>nGSC</a:t>
+              <a:t>这个其实也可以接</a:t>
+            </a:r>
+            <a:r>
+              <a:rPr lang="en-US" altLang="zh-CN" sz="2400" dirty="0"/>
+              <a:t>nGCS4,</a:t>
+            </a:r>
+            <a:r>
+              <a:rPr lang="zh-CN" altLang="en-US" sz="2400" dirty="0"/>
+              <a:t>只需要将端口基地址改成</a:t>
+            </a:r>
+            <a:r>
+              <a:rPr lang="en-US" altLang="zh-CN" sz="2400" dirty="0"/>
+              <a:t>0x2000_00000</a:t>
+            </a:r>
+            <a:r>
+              <a:rPr lang="zh-CN" altLang="en-US" sz="2400" dirty="0"/>
+              <a:t>即可</a:t>
+            </a:r>
+            <a:endParaRPr lang="en-US" altLang="zh-CN" sz="2400" dirty="0"/>
+          </a:p>
+          <a:p>
+            <a:pPr marL="285750" indent="-285750">
+              <a:buFont typeface="Arial" panose="020B0604020202020204" pitchFamily="34" charset="0"/>
+              <a:buChar char="•"/>
+            </a:pPr>
+            <a:endParaRPr lang="en-US" altLang="zh-CN" sz="2400" dirty="0"/>
+          </a:p>
+          <a:p>
+            <a:pPr marL="285750" indent="-285750">
+              <a:buFont typeface="Arial" panose="020B0604020202020204" pitchFamily="34" charset="0"/>
+              <a:buChar char="•"/>
+            </a:pPr>
+            <a:r>
+              <a:rPr lang="zh-CN" altLang="en-US" sz="2400" dirty="0"/>
+              <a:t>满足总线地址需要首先在 </a:t>
+            </a:r>
+            <a:r>
+              <a:rPr lang="en-US" altLang="zh-CN" sz="2400" dirty="0"/>
+              <a:t>BANK3</a:t>
+            </a:r>
+            <a:r>
+              <a:rPr lang="zh-CN" altLang="en-US" sz="2400" dirty="0"/>
+              <a:t>里面</a:t>
             </a:r>
             <a:r>
               <a:rPr lang="en-US" altLang="zh-CN" sz="2400" dirty="0"/>
@@ -7075,8 +6469,122 @@
             </a:r>
             <a:r>
               <a:rPr lang="zh-CN" altLang="en-US" sz="2400" dirty="0"/>
-              <a:t>只需要将端口基地址改动一下即可</a:t>
-            </a:r>
+              <a:t> 即高五位（这样 </a:t>
+            </a:r>
+            <a:r>
+              <a:rPr lang="en-US" altLang="zh-CN" sz="2400" dirty="0"/>
+              <a:t>CS3</a:t>
+            </a:r>
+            <a:r>
+              <a:rPr lang="zh-CN" altLang="en-US" sz="2400" dirty="0"/>
+              <a:t>才能自动选中），</a:t>
+            </a:r>
+            <a:r>
+              <a:rPr lang="zh-CN" altLang="en-US" sz="2400" dirty="0">
+                <a:solidFill>
+                  <a:srgbClr val="FF0000"/>
+                </a:solidFill>
+              </a:rPr>
+              <a:t>其次满足</a:t>
+            </a:r>
+            <a:r>
+              <a:rPr lang="en-US" altLang="zh-CN" sz="2400" dirty="0">
+                <a:solidFill>
+                  <a:srgbClr val="FF0000"/>
+                </a:solidFill>
+              </a:rPr>
+              <a:t>CMD</a:t>
+            </a:r>
+            <a:r>
+              <a:rPr lang="zh-CN" altLang="en-US" sz="2400" dirty="0">
+                <a:solidFill>
+                  <a:srgbClr val="FF0000"/>
+                </a:solidFill>
+              </a:rPr>
+              <a:t>为</a:t>
+            </a:r>
+            <a:r>
+              <a:rPr lang="en-US" altLang="zh-CN" sz="2400" dirty="0">
+                <a:solidFill>
+                  <a:srgbClr val="FF0000"/>
+                </a:solidFill>
+              </a:rPr>
+              <a:t>0</a:t>
+            </a:r>
+            <a:r>
+              <a:rPr lang="zh-CN" altLang="en-US" sz="2400" dirty="0">
+                <a:solidFill>
+                  <a:srgbClr val="FF0000"/>
+                </a:solidFill>
+              </a:rPr>
+              <a:t>（传送寄存器地址）或 </a:t>
+            </a:r>
+            <a:r>
+              <a:rPr lang="en-US" altLang="zh-CN" sz="2400" dirty="0">
+                <a:solidFill>
+                  <a:srgbClr val="FF0000"/>
+                </a:solidFill>
+              </a:rPr>
+              <a:t>1</a:t>
+            </a:r>
+            <a:r>
+              <a:rPr lang="zh-CN" altLang="en-US" sz="2400" dirty="0">
+                <a:solidFill>
+                  <a:srgbClr val="FF0000"/>
+                </a:solidFill>
+              </a:rPr>
+              <a:t>（传送数据）</a:t>
+            </a:r>
+            <a:r>
+              <a:rPr lang="zh-CN" altLang="en-US" sz="2400" dirty="0"/>
+              <a:t>就可以了，满足这两个条件地址随便设。</a:t>
+            </a:r>
+            <a:endParaRPr lang="en-US" altLang="zh-CN" sz="2400" dirty="0"/>
+          </a:p>
+          <a:p>
+            <a:pPr marL="285750" indent="-285750">
+              <a:buFont typeface="Arial" panose="020B0604020202020204" pitchFamily="34" charset="0"/>
+              <a:buChar char="•"/>
+            </a:pPr>
+            <a:r>
+              <a:rPr lang="zh-CN" altLang="en-US" sz="2400" dirty="0"/>
+              <a:t>图中的</a:t>
+            </a:r>
+            <a:r>
+              <a:rPr lang="en-US" altLang="zh-CN" sz="2400" dirty="0"/>
+              <a:t>CMD</a:t>
+            </a:r>
+            <a:r>
+              <a:rPr lang="zh-CN" altLang="en-US" sz="2400" dirty="0"/>
+              <a:t>接到了</a:t>
+            </a:r>
+            <a:r>
+              <a:rPr lang="en-US" altLang="zh-CN" sz="2400" dirty="0"/>
+              <a:t>LADDR2</a:t>
+            </a:r>
+            <a:r>
+              <a:rPr lang="zh-CN" altLang="en-US" sz="2400"/>
+              <a:t>，</a:t>
+            </a:r>
+            <a:r>
+              <a:rPr lang="en-US" altLang="zh-CN" sz="2400"/>
+              <a:t>LADDR2</a:t>
+            </a:r>
+            <a:r>
+              <a:rPr lang="zh-CN" altLang="en-US" sz="2400" dirty="0"/>
+              <a:t>也可以改成其他线。</a:t>
+            </a:r>
+            <a:endParaRPr lang="en-US" altLang="zh-CN" sz="2800" b="1" dirty="0"/>
+          </a:p>
+          <a:p>
+            <a:endParaRPr lang="en-US" altLang="zh-CN" sz="2800" b="1" dirty="0"/>
+          </a:p>
+          <a:p>
+            <a:pPr marL="285750" indent="-285750">
+              <a:buFont typeface="Arial" panose="020B0604020202020204" pitchFamily="34" charset="0"/>
+              <a:buChar char="•"/>
+            </a:pPr>
+            <a:endParaRPr lang="zh-CN" altLang="en-US" sz="2400" dirty="0"/>
           </a:p>
         </p:txBody>
       </p:sp>
@@ -8586,110 +8094,6 @@
               <a:t>隔离变压器</a:t>
             </a:r>
             <a:endParaRPr lang="zh-CN" altLang="en-US" sz="2800" dirty="0"/>
-          </a:p>
-        </p:txBody>
-      </p:sp>
-      <p:sp>
-        <p:nvSpPr>
-          <p:cNvPr id="2" name="文本框 1">
-            <a:extLst>
-              <a:ext uri="{FF2B5EF4-FFF2-40B4-BE49-F238E27FC236}">
-                <a16:creationId xmlns:a16="http://schemas.microsoft.com/office/drawing/2014/main" id="{95020EF9-92F4-71DC-1E69-B09A2F994BB3}"/>
-              </a:ext>
-            </a:extLst>
-          </p:cNvPr>
-          <p:cNvSpPr txBox="1"/>
-          <p:nvPr/>
-        </p:nvSpPr>
-        <p:spPr>
-          <a:xfrm>
-            <a:off x="1045566" y="3579263"/>
-            <a:ext cx="3441468" cy="584775"/>
-          </a:xfrm>
-          <a:prstGeom prst="rect">
-            <a:avLst/>
-          </a:prstGeom>
-          <a:noFill/>
-        </p:spPr>
-        <p:txBody>
-          <a:bodyPr wrap="square" rtlCol="0">
-            <a:spAutoFit/>
-          </a:bodyPr>
-          <a:lstStyle/>
-          <a:p>
-            <a:r>
-              <a:rPr lang="zh-CN" altLang="en-US" sz="3200" b="1" kern="2200" dirty="0">
-                <a:latin typeface="Calibri" panose="020F0502020204030204" pitchFamily="34" charset="0"/>
-                <a:ea typeface="宋体" panose="02010600030101010101" pitchFamily="2" charset="-122"/>
-                <a:cs typeface="Times New Roman" panose="02020603050405020304" pitchFamily="18" charset="0"/>
-              </a:rPr>
-              <a:t>中断</a:t>
-            </a:r>
-            <a:endParaRPr lang="zh-CN" altLang="en-US" sz="2800" dirty="0"/>
-          </a:p>
-        </p:txBody>
-      </p:sp>
-      <p:sp>
-        <p:nvSpPr>
-          <p:cNvPr id="3" name="文本框 2">
-            <a:extLst>
-              <a:ext uri="{FF2B5EF4-FFF2-40B4-BE49-F238E27FC236}">
-                <a16:creationId xmlns:a16="http://schemas.microsoft.com/office/drawing/2014/main" id="{50A46D7D-9652-DBE0-73B7-451AD4002EC3}"/>
-              </a:ext>
-            </a:extLst>
-          </p:cNvPr>
-          <p:cNvSpPr txBox="1"/>
-          <p:nvPr/>
-        </p:nvSpPr>
-        <p:spPr>
-          <a:xfrm>
-            <a:off x="1075073" y="4283149"/>
-            <a:ext cx="9938327" cy="830997"/>
-          </a:xfrm>
-          <a:prstGeom prst="rect">
-            <a:avLst/>
-          </a:prstGeom>
-          <a:noFill/>
-        </p:spPr>
-        <p:txBody>
-          <a:bodyPr wrap="square" rtlCol="0">
-            <a:spAutoFit/>
-          </a:bodyPr>
-          <a:lstStyle/>
-          <a:p>
-            <a:pPr algn="just"/>
-            <a:r>
-              <a:rPr lang="en-US" altLang="zh-CN" sz="2400" dirty="0"/>
-              <a:t>DM9000</a:t>
-            </a:r>
-            <a:r>
-              <a:rPr lang="zh-CN" altLang="zh-CN" sz="2400" dirty="0"/>
-              <a:t>的数据中断引脚</a:t>
-            </a:r>
-            <a:r>
-              <a:rPr lang="en-US" altLang="zh-CN" sz="2400" dirty="0"/>
-              <a:t>INT</a:t>
-            </a:r>
-            <a:r>
-              <a:rPr lang="zh-CN" altLang="zh-CN" sz="2400" dirty="0"/>
-              <a:t>是连接到</a:t>
-            </a:r>
-            <a:r>
-              <a:rPr lang="en-US" altLang="zh-CN" sz="2400" dirty="0"/>
-              <a:t>s3c2440</a:t>
-            </a:r>
-            <a:r>
-              <a:rPr lang="zh-CN" altLang="zh-CN" sz="2400" dirty="0"/>
-              <a:t>的外部中断</a:t>
-            </a:r>
-            <a:r>
-              <a:rPr lang="en-US" altLang="zh-CN" sz="2400" dirty="0"/>
-              <a:t>7 (EINT7)</a:t>
-            </a:r>
-            <a:r>
-              <a:rPr lang="zh-CN" altLang="zh-CN" sz="2400" dirty="0"/>
-              <a:t>引脚上的</a:t>
-            </a:r>
           </a:p>
         </p:txBody>
       </p:sp>
